--- a/IronPigeon.pptx
+++ b/IronPigeon.pptx
@@ -113,6 +113,11 @@
       </a:defRPr>
     </a:lvl9pPr>
   </p:defaultTextStyle>
+  <p:extLst>
+    <p:ext uri="{EFAFB233-063F-42B5-8137-9DF3F51BA10A}">
+      <p15:sldGuideLst xmlns:p15="http://schemas.microsoft.com/office/powerpoint/2012/main"/>
+    </p:ext>
+  </p:extLst>
 </p:presentation>
 </file>
 
@@ -694,7 +699,7 @@
           </a:lstStyle>
           <a:p>
             <a:r>
-              <a:rPr lang="en-US" smtClean="0"/>
+              <a:rPr lang="en-US"/>
               <a:t>Click to edit Master title style</a:t>
             </a:r>
             <a:endParaRPr lang="en-US" dirty="0"/>
@@ -814,7 +819,7 @@
           </a:lstStyle>
           <a:p>
             <a:r>
-              <a:rPr lang="en-US" smtClean="0"/>
+              <a:rPr lang="en-US"/>
               <a:t>Click to edit Master subtitle style</a:t>
             </a:r>
             <a:endParaRPr lang="en-US" dirty="0"/>
@@ -838,7 +843,7 @@
           <a:p>
             <a:fld id="{4BDF68E2-58F2-4D09-BE8B-E3BD06533059}" type="datetimeFigureOut">
               <a:rPr lang="en-US" smtClean="0"/>
-              <a:t>10/16/2013</a:t>
+              <a:t>8/15/2020</a:t>
             </a:fld>
             <a:endParaRPr lang="en-US" dirty="0"/>
           </a:p>
@@ -943,7 +948,7 @@
           </a:lstStyle>
           <a:p>
             <a:r>
-              <a:rPr lang="en-US" smtClean="0"/>
+              <a:rPr lang="en-US"/>
               <a:t>Click to edit Master title style</a:t>
             </a:r>
             <a:endParaRPr lang="en-US" dirty="0"/>
@@ -1066,7 +1071,7 @@
           <a:p>
             <a:pPr lvl="0"/>
             <a:r>
-              <a:rPr lang="en-US" smtClean="0"/>
+              <a:rPr lang="en-US"/>
               <a:t>Click to edit Master text styles</a:t>
             </a:r>
           </a:p>
@@ -1089,7 +1094,7 @@
           <a:p>
             <a:fld id="{98624D31-43A5-475A-80CF-332C9F6DCF35}" type="datetimeFigureOut">
               <a:rPr lang="en-US" smtClean="0"/>
-              <a:t>10/16/2013</a:t>
+              <a:t>8/15/2020</a:t>
             </a:fld>
             <a:endParaRPr lang="en-US" dirty="0"/>
           </a:p>
@@ -1196,7 +1201,7 @@
           </a:lstStyle>
           <a:p>
             <a:r>
-              <a:rPr lang="en-US" smtClean="0"/>
+              <a:rPr lang="en-US"/>
               <a:t>Click to edit Master title style</a:t>
             </a:r>
             <a:endParaRPr lang="en-US" dirty="0"/>
@@ -1260,7 +1265,7 @@
           <a:p>
             <a:pPr lvl="0"/>
             <a:r>
-              <a:rPr lang="en-US" smtClean="0"/>
+              <a:rPr lang="en-US"/>
               <a:t>Click to edit Master text styles</a:t>
             </a:r>
           </a:p>
@@ -1382,7 +1387,7 @@
           <a:p>
             <a:pPr lvl="0"/>
             <a:r>
-              <a:rPr lang="en-US" smtClean="0"/>
+              <a:rPr lang="en-US"/>
               <a:t>Click to edit Master text styles</a:t>
             </a:r>
           </a:p>
@@ -1405,7 +1410,7 @@
           <a:p>
             <a:fld id="{98624D31-43A5-475A-80CF-332C9F6DCF35}" type="datetimeFigureOut">
               <a:rPr lang="en-US" smtClean="0"/>
-              <a:t>10/16/2013</a:t>
+              <a:t>8/15/2020</a:t>
             </a:fld>
             <a:endParaRPr lang="en-US" dirty="0"/>
           </a:p>
@@ -1602,7 +1607,7 @@
           </a:lstStyle>
           <a:p>
             <a:r>
-              <a:rPr lang="en-US" smtClean="0"/>
+              <a:rPr lang="en-US"/>
               <a:t>Click to edit Master title style</a:t>
             </a:r>
             <a:endParaRPr lang="en-US" dirty="0"/>
@@ -1725,7 +1730,7 @@
           <a:p>
             <a:pPr lvl="0"/>
             <a:r>
-              <a:rPr lang="en-US" smtClean="0"/>
+              <a:rPr lang="en-US"/>
               <a:t>Click to edit Master text styles</a:t>
             </a:r>
           </a:p>
@@ -1748,7 +1753,7 @@
           <a:p>
             <a:fld id="{98624D31-43A5-475A-80CF-332C9F6DCF35}" type="datetimeFigureOut">
               <a:rPr lang="en-US" smtClean="0"/>
-              <a:t>10/16/2013</a:t>
+              <a:t>8/15/2020</a:t>
             </a:fld>
             <a:endParaRPr lang="en-US" dirty="0"/>
           </a:p>
@@ -1855,7 +1860,7 @@
           </a:lstStyle>
           <a:p>
             <a:r>
-              <a:rPr lang="en-US" smtClean="0"/>
+              <a:rPr lang="en-US"/>
               <a:t>Click to edit Master title style</a:t>
             </a:r>
             <a:endParaRPr lang="en-US" dirty="0"/>
@@ -1919,7 +1924,7 @@
           <a:p>
             <a:pPr lvl="0"/>
             <a:r>
-              <a:rPr lang="en-US" smtClean="0"/>
+              <a:rPr lang="en-US"/>
               <a:t>Click to edit Master text styles</a:t>
             </a:r>
           </a:p>
@@ -2041,7 +2046,7 @@
           <a:p>
             <a:pPr lvl="0"/>
             <a:r>
-              <a:rPr lang="en-US" smtClean="0"/>
+              <a:rPr lang="en-US"/>
               <a:t>Click to edit Master text styles</a:t>
             </a:r>
           </a:p>
@@ -2064,7 +2069,7 @@
           <a:p>
             <a:fld id="{98624D31-43A5-475A-80CF-332C9F6DCF35}" type="datetimeFigureOut">
               <a:rPr lang="en-US" smtClean="0"/>
-              <a:t>10/16/2013</a:t>
+              <a:t>8/15/2020</a:t>
             </a:fld>
             <a:endParaRPr lang="en-US" dirty="0"/>
           </a:p>
@@ -2253,7 +2258,7 @@
           </a:lstStyle>
           <a:p>
             <a:r>
-              <a:rPr lang="en-US" smtClean="0"/>
+              <a:rPr lang="en-US"/>
               <a:t>Click to edit Master title style</a:t>
             </a:r>
             <a:endParaRPr lang="en-US" dirty="0"/>
@@ -2314,7 +2319,7 @@
           <a:p>
             <a:pPr lvl="0"/>
             <a:r>
-              <a:rPr lang="en-US" smtClean="0"/>
+              <a:rPr lang="en-US"/>
               <a:t>Click to edit Master text styles</a:t>
             </a:r>
           </a:p>
@@ -2436,7 +2441,7 @@
           <a:p>
             <a:pPr lvl="0"/>
             <a:r>
-              <a:rPr lang="en-US" smtClean="0"/>
+              <a:rPr lang="en-US"/>
               <a:t>Click to edit Master text styles</a:t>
             </a:r>
           </a:p>
@@ -2459,7 +2464,7 @@
           <a:p>
             <a:fld id="{98624D31-43A5-475A-80CF-332C9F6DCF35}" type="datetimeFigureOut">
               <a:rPr lang="en-US" smtClean="0"/>
-              <a:t>10/16/2013</a:t>
+              <a:t>8/15/2020</a:t>
             </a:fld>
             <a:endParaRPr lang="en-US" dirty="0"/>
           </a:p>
@@ -2555,7 +2560,7 @@
           <a:lstStyle/>
           <a:p>
             <a:r>
-              <a:rPr lang="en-US" smtClean="0"/>
+              <a:rPr lang="en-US"/>
               <a:t>Click to edit Master title style</a:t>
             </a:r>
             <a:endParaRPr lang="en-US" dirty="0"/>
@@ -2579,35 +2584,35 @@
           <a:p>
             <a:pPr lvl="0"/>
             <a:r>
-              <a:rPr lang="en-US" smtClean="0"/>
+              <a:rPr lang="en-US"/>
               <a:t>Click to edit Master text styles</a:t>
             </a:r>
           </a:p>
           <a:p>
             <a:pPr lvl="1"/>
             <a:r>
-              <a:rPr lang="en-US" smtClean="0"/>
+              <a:rPr lang="en-US"/>
               <a:t>Second level</a:t>
             </a:r>
           </a:p>
           <a:p>
             <a:pPr lvl="2"/>
             <a:r>
-              <a:rPr lang="en-US" smtClean="0"/>
+              <a:rPr lang="en-US"/>
               <a:t>Third level</a:t>
             </a:r>
           </a:p>
           <a:p>
             <a:pPr lvl="3"/>
             <a:r>
-              <a:rPr lang="en-US" smtClean="0"/>
+              <a:rPr lang="en-US"/>
               <a:t>Fourth level</a:t>
             </a:r>
           </a:p>
           <a:p>
             <a:pPr lvl="4"/>
             <a:r>
-              <a:rPr lang="en-US" smtClean="0"/>
+              <a:rPr lang="en-US"/>
               <a:t>Fifth level</a:t>
             </a:r>
             <a:endParaRPr lang="en-US" dirty="0"/>
@@ -2631,7 +2636,7 @@
           <a:p>
             <a:fld id="{2E2D6473-DF6D-4702-B328-E0DD40540A4E}" type="datetimeFigureOut">
               <a:rPr lang="en-US" smtClean="0"/>
-              <a:t>10/16/2013</a:t>
+              <a:t>8/15/2020</a:t>
             </a:fld>
             <a:endParaRPr lang="en-US" dirty="0"/>
           </a:p>
@@ -2730,7 +2735,7 @@
           <a:lstStyle/>
           <a:p>
             <a:r>
-              <a:rPr lang="en-US" smtClean="0"/>
+              <a:rPr lang="en-US"/>
               <a:t>Click to edit Master title style</a:t>
             </a:r>
             <a:endParaRPr lang="en-US" dirty="0"/>
@@ -2759,35 +2764,35 @@
           <a:p>
             <a:pPr lvl="0"/>
             <a:r>
-              <a:rPr lang="en-US" smtClean="0"/>
+              <a:rPr lang="en-US"/>
               <a:t>Click to edit Master text styles</a:t>
             </a:r>
           </a:p>
           <a:p>
             <a:pPr lvl="1"/>
             <a:r>
-              <a:rPr lang="en-US" smtClean="0"/>
+              <a:rPr lang="en-US"/>
               <a:t>Second level</a:t>
             </a:r>
           </a:p>
           <a:p>
             <a:pPr lvl="2"/>
             <a:r>
-              <a:rPr lang="en-US" smtClean="0"/>
+              <a:rPr lang="en-US"/>
               <a:t>Third level</a:t>
             </a:r>
           </a:p>
           <a:p>
             <a:pPr lvl="3"/>
             <a:r>
-              <a:rPr lang="en-US" smtClean="0"/>
+              <a:rPr lang="en-US"/>
               <a:t>Fourth level</a:t>
             </a:r>
           </a:p>
           <a:p>
             <a:pPr lvl="4"/>
             <a:r>
-              <a:rPr lang="en-US" smtClean="0"/>
+              <a:rPr lang="en-US"/>
               <a:t>Fifth level</a:t>
             </a:r>
             <a:endParaRPr lang="en-US" dirty="0"/>
@@ -2811,7 +2816,7 @@
           <a:p>
             <a:fld id="{E26F7E3A-B166-407D-9866-32884E7D5B37}" type="datetimeFigureOut">
               <a:rPr lang="en-US" smtClean="0"/>
-              <a:t>10/16/2013</a:t>
+              <a:t>8/15/2020</a:t>
             </a:fld>
             <a:endParaRPr lang="en-US" dirty="0"/>
           </a:p>
@@ -2911,7 +2916,7 @@
           </a:lstStyle>
           <a:p>
             <a:r>
-              <a:rPr lang="en-US" smtClean="0"/>
+              <a:rPr lang="en-US"/>
               <a:t>Click to edit Master title style</a:t>
             </a:r>
             <a:endParaRPr lang="en-US" dirty="0"/>
@@ -2935,35 +2940,35 @@
           <a:p>
             <a:pPr lvl="0"/>
             <a:r>
-              <a:rPr lang="en-US" smtClean="0"/>
+              <a:rPr lang="en-US"/>
               <a:t>Click to edit Master text styles</a:t>
             </a:r>
           </a:p>
           <a:p>
             <a:pPr lvl="1"/>
             <a:r>
-              <a:rPr lang="en-US" smtClean="0"/>
+              <a:rPr lang="en-US"/>
               <a:t>Second level</a:t>
             </a:r>
           </a:p>
           <a:p>
             <a:pPr lvl="2"/>
             <a:r>
-              <a:rPr lang="en-US" smtClean="0"/>
+              <a:rPr lang="en-US"/>
               <a:t>Third level</a:t>
             </a:r>
           </a:p>
           <a:p>
             <a:pPr lvl="3"/>
             <a:r>
-              <a:rPr lang="en-US" smtClean="0"/>
+              <a:rPr lang="en-US"/>
               <a:t>Fourth level</a:t>
             </a:r>
           </a:p>
           <a:p>
             <a:pPr lvl="4"/>
             <a:r>
-              <a:rPr lang="en-US" smtClean="0"/>
+              <a:rPr lang="en-US"/>
               <a:t>Fifth level</a:t>
             </a:r>
             <a:endParaRPr lang="en-US" dirty="0"/>
@@ -2987,7 +2992,7 @@
           <a:p>
             <a:fld id="{528FC5F6-F338-4AE4-BB23-26385BCFC423}" type="datetimeFigureOut">
               <a:rPr lang="en-US" smtClean="0"/>
-              <a:t>10/16/2013</a:t>
+              <a:t>8/15/2020</a:t>
             </a:fld>
             <a:endParaRPr lang="en-US" dirty="0"/>
           </a:p>
@@ -3090,7 +3095,7 @@
           </a:lstStyle>
           <a:p>
             <a:r>
-              <a:rPr lang="en-US" smtClean="0"/>
+              <a:rPr lang="en-US"/>
               <a:t>Click to edit Master title style</a:t>
             </a:r>
             <a:endParaRPr lang="en-US" dirty="0"/>
@@ -3211,7 +3216,7 @@
           <a:p>
             <a:pPr lvl="0"/>
             <a:r>
-              <a:rPr lang="en-US" smtClean="0"/>
+              <a:rPr lang="en-US"/>
               <a:t>Click to edit Master text styles</a:t>
             </a:r>
           </a:p>
@@ -3234,7 +3239,7 @@
           <a:p>
             <a:fld id="{20EBB0C4-6273-4C6E-B9BD-2EDC30F1CD52}" type="datetimeFigureOut">
               <a:rPr lang="en-US" smtClean="0"/>
-              <a:t>10/16/2013</a:t>
+              <a:t>8/15/2020</a:t>
             </a:fld>
             <a:endParaRPr lang="en-US" dirty="0"/>
           </a:p>
@@ -3328,7 +3333,7 @@
           <a:lstStyle/>
           <a:p>
             <a:r>
-              <a:rPr lang="en-US" smtClean="0"/>
+              <a:rPr lang="en-US"/>
               <a:t>Click to edit Master title style</a:t>
             </a:r>
             <a:endParaRPr lang="en-US" dirty="0"/>
@@ -3357,35 +3362,35 @@
           <a:p>
             <a:pPr lvl="0"/>
             <a:r>
-              <a:rPr lang="en-US" smtClean="0"/>
+              <a:rPr lang="en-US"/>
               <a:t>Click to edit Master text styles</a:t>
             </a:r>
           </a:p>
           <a:p>
             <a:pPr lvl="1"/>
             <a:r>
-              <a:rPr lang="en-US" smtClean="0"/>
+              <a:rPr lang="en-US"/>
               <a:t>Second level</a:t>
             </a:r>
           </a:p>
           <a:p>
             <a:pPr lvl="2"/>
             <a:r>
-              <a:rPr lang="en-US" smtClean="0"/>
+              <a:rPr lang="en-US"/>
               <a:t>Third level</a:t>
             </a:r>
           </a:p>
           <a:p>
             <a:pPr lvl="3"/>
             <a:r>
-              <a:rPr lang="en-US" smtClean="0"/>
+              <a:rPr lang="en-US"/>
               <a:t>Fourth level</a:t>
             </a:r>
           </a:p>
           <a:p>
             <a:pPr lvl="4"/>
             <a:r>
-              <a:rPr lang="en-US" smtClean="0"/>
+              <a:rPr lang="en-US"/>
               <a:t>Fifth level</a:t>
             </a:r>
             <a:endParaRPr lang="en-US" dirty="0"/>
@@ -3414,35 +3419,35 @@
           <a:p>
             <a:pPr lvl="0"/>
             <a:r>
-              <a:rPr lang="en-US" smtClean="0"/>
+              <a:rPr lang="en-US"/>
               <a:t>Click to edit Master text styles</a:t>
             </a:r>
           </a:p>
           <a:p>
             <a:pPr lvl="1"/>
             <a:r>
-              <a:rPr lang="en-US" smtClean="0"/>
+              <a:rPr lang="en-US"/>
               <a:t>Second level</a:t>
             </a:r>
           </a:p>
           <a:p>
             <a:pPr lvl="2"/>
             <a:r>
-              <a:rPr lang="en-US" smtClean="0"/>
+              <a:rPr lang="en-US"/>
               <a:t>Third level</a:t>
             </a:r>
           </a:p>
           <a:p>
             <a:pPr lvl="3"/>
             <a:r>
-              <a:rPr lang="en-US" smtClean="0"/>
+              <a:rPr lang="en-US"/>
               <a:t>Fourth level</a:t>
             </a:r>
           </a:p>
           <a:p>
             <a:pPr lvl="4"/>
             <a:r>
-              <a:rPr lang="en-US" smtClean="0"/>
+              <a:rPr lang="en-US"/>
               <a:t>Fifth level</a:t>
             </a:r>
             <a:endParaRPr lang="en-US" dirty="0"/>
@@ -3466,7 +3471,7 @@
           <a:p>
             <a:fld id="{19AB4D41-86C1-4908-B66A-0B50CEB3BF29}" type="datetimeFigureOut">
               <a:rPr lang="en-US" smtClean="0"/>
-              <a:t>10/16/2013</a:t>
+              <a:t>8/15/2020</a:t>
             </a:fld>
             <a:endParaRPr lang="en-US" dirty="0"/>
           </a:p>
@@ -3564,7 +3569,7 @@
           </a:lstStyle>
           <a:p>
             <a:r>
-              <a:rPr lang="en-US" smtClean="0"/>
+              <a:rPr lang="en-US"/>
               <a:t>Click to edit Master title style</a:t>
             </a:r>
             <a:endParaRPr lang="en-US" dirty="0"/>
@@ -3632,7 +3637,7 @@
           <a:p>
             <a:pPr lvl="0"/>
             <a:r>
-              <a:rPr lang="en-US" smtClean="0"/>
+              <a:rPr lang="en-US"/>
               <a:t>Click to edit Master text styles</a:t>
             </a:r>
           </a:p>
@@ -3662,35 +3667,35 @@
           <a:p>
             <a:pPr lvl="0"/>
             <a:r>
-              <a:rPr lang="en-US" smtClean="0"/>
+              <a:rPr lang="en-US"/>
               <a:t>Click to edit Master text styles</a:t>
             </a:r>
           </a:p>
           <a:p>
             <a:pPr lvl="1"/>
             <a:r>
-              <a:rPr lang="en-US" smtClean="0"/>
+              <a:rPr lang="en-US"/>
               <a:t>Second level</a:t>
             </a:r>
           </a:p>
           <a:p>
             <a:pPr lvl="2"/>
             <a:r>
-              <a:rPr lang="en-US" smtClean="0"/>
+              <a:rPr lang="en-US"/>
               <a:t>Third level</a:t>
             </a:r>
           </a:p>
           <a:p>
             <a:pPr lvl="3"/>
             <a:r>
-              <a:rPr lang="en-US" smtClean="0"/>
+              <a:rPr lang="en-US"/>
               <a:t>Fourth level</a:t>
             </a:r>
           </a:p>
           <a:p>
             <a:pPr lvl="4"/>
             <a:r>
-              <a:rPr lang="en-US" smtClean="0"/>
+              <a:rPr lang="en-US"/>
               <a:t>Fifth level</a:t>
             </a:r>
             <a:endParaRPr lang="en-US" dirty="0"/>
@@ -3758,7 +3763,7 @@
           <a:p>
             <a:pPr lvl="0"/>
             <a:r>
-              <a:rPr lang="en-US" smtClean="0"/>
+              <a:rPr lang="en-US"/>
               <a:t>Click to edit Master text styles</a:t>
             </a:r>
           </a:p>
@@ -3788,35 +3793,35 @@
           <a:p>
             <a:pPr lvl="0"/>
             <a:r>
-              <a:rPr lang="en-US" smtClean="0"/>
+              <a:rPr lang="en-US"/>
               <a:t>Click to edit Master text styles</a:t>
             </a:r>
           </a:p>
           <a:p>
             <a:pPr lvl="1"/>
             <a:r>
-              <a:rPr lang="en-US" smtClean="0"/>
+              <a:rPr lang="en-US"/>
               <a:t>Second level</a:t>
             </a:r>
           </a:p>
           <a:p>
             <a:pPr lvl="2"/>
             <a:r>
-              <a:rPr lang="en-US" smtClean="0"/>
+              <a:rPr lang="en-US"/>
               <a:t>Third level</a:t>
             </a:r>
           </a:p>
           <a:p>
             <a:pPr lvl="3"/>
             <a:r>
-              <a:rPr lang="en-US" smtClean="0"/>
+              <a:rPr lang="en-US"/>
               <a:t>Fourth level</a:t>
             </a:r>
           </a:p>
           <a:p>
             <a:pPr lvl="4"/>
             <a:r>
-              <a:rPr lang="en-US" smtClean="0"/>
+              <a:rPr lang="en-US"/>
               <a:t>Fifth level</a:t>
             </a:r>
             <a:endParaRPr lang="en-US" dirty="0"/>
@@ -3840,7 +3845,7 @@
           <a:p>
             <a:fld id="{E6426E2C-56C1-4E0D-A793-0088A7FDD37E}" type="datetimeFigureOut">
               <a:rPr lang="en-US" smtClean="0"/>
-              <a:t>10/16/2013</a:t>
+              <a:t>8/15/2020</a:t>
             </a:fld>
             <a:endParaRPr lang="en-US" dirty="0"/>
           </a:p>
@@ -3939,7 +3944,7 @@
           <a:lstStyle/>
           <a:p>
             <a:r>
-              <a:rPr lang="en-US" smtClean="0"/>
+              <a:rPr lang="en-US"/>
               <a:t>Click to edit Master title style</a:t>
             </a:r>
             <a:endParaRPr lang="en-US" dirty="0"/>
@@ -3963,7 +3968,7 @@
           <a:p>
             <a:fld id="{C8C39B41-D8B5-4052-B551-9B5525EAA8B6}" type="datetimeFigureOut">
               <a:rPr lang="en-US" smtClean="0"/>
-              <a:t>10/16/2013</a:t>
+              <a:t>8/15/2020</a:t>
             </a:fld>
             <a:endParaRPr lang="en-US" dirty="0"/>
           </a:p>
@@ -4058,7 +4063,7 @@
           <a:p>
             <a:fld id="{4D94136C-8742-45B2-AF27-D93DF72833A9}" type="datetimeFigureOut">
               <a:rPr lang="en-US" smtClean="0"/>
-              <a:t>10/16/2013</a:t>
+              <a:t>8/15/2020</a:t>
             </a:fld>
             <a:endParaRPr lang="en-US" dirty="0"/>
           </a:p>
@@ -4164,7 +4169,7 @@
           </a:lstStyle>
           <a:p>
             <a:r>
-              <a:rPr lang="en-US" smtClean="0"/>
+              <a:rPr lang="en-US"/>
               <a:t>Click to edit Master title style</a:t>
             </a:r>
             <a:endParaRPr lang="en-US" dirty="0"/>
@@ -4195,35 +4200,35 @@
           <a:p>
             <a:pPr lvl="0"/>
             <a:r>
-              <a:rPr lang="en-US" smtClean="0"/>
+              <a:rPr lang="en-US"/>
               <a:t>Click to edit Master text styles</a:t>
             </a:r>
           </a:p>
           <a:p>
             <a:pPr lvl="1"/>
             <a:r>
-              <a:rPr lang="en-US" smtClean="0"/>
+              <a:rPr lang="en-US"/>
               <a:t>Second level</a:t>
             </a:r>
           </a:p>
           <a:p>
             <a:pPr lvl="2"/>
             <a:r>
-              <a:rPr lang="en-US" smtClean="0"/>
+              <a:rPr lang="en-US"/>
               <a:t>Third level</a:t>
             </a:r>
           </a:p>
           <a:p>
             <a:pPr lvl="3"/>
             <a:r>
-              <a:rPr lang="en-US" smtClean="0"/>
+              <a:rPr lang="en-US"/>
               <a:t>Fourth level</a:t>
             </a:r>
           </a:p>
           <a:p>
             <a:pPr lvl="4"/>
             <a:r>
-              <a:rPr lang="en-US" smtClean="0"/>
+              <a:rPr lang="en-US"/>
               <a:t>Fifth level</a:t>
             </a:r>
             <a:endParaRPr lang="en-US" dirty="0"/>
@@ -4291,7 +4296,7 @@
           <a:p>
             <a:pPr lvl="0"/>
             <a:r>
-              <a:rPr lang="en-US" smtClean="0"/>
+              <a:rPr lang="en-US"/>
               <a:t>Click to edit Master text styles</a:t>
             </a:r>
           </a:p>
@@ -4314,7 +4319,7 @@
           <a:p>
             <a:fld id="{32ABBEA6-7C60-4B02-AE87-00D78D8422AF}" type="datetimeFigureOut">
               <a:rPr lang="en-US" smtClean="0"/>
-              <a:t>10/16/2013</a:t>
+              <a:t>8/15/2020</a:t>
             </a:fld>
             <a:endParaRPr lang="en-US" dirty="0"/>
           </a:p>
@@ -4420,7 +4425,7 @@
           </a:lstStyle>
           <a:p>
             <a:r>
-              <a:rPr lang="en-US" smtClean="0"/>
+              <a:rPr lang="en-US"/>
               <a:t>Click to edit Master title style</a:t>
             </a:r>
             <a:endParaRPr lang="en-US" dirty="0"/>
@@ -4487,7 +4492,7 @@
           </a:lstStyle>
           <a:p>
             <a:r>
-              <a:rPr lang="en-US" smtClean="0"/>
+              <a:rPr lang="en-US"/>
               <a:t>Click icon to add picture</a:t>
             </a:r>
             <a:endParaRPr lang="en-US" dirty="0"/>
@@ -4555,7 +4560,7 @@
           <a:p>
             <a:pPr lvl="0"/>
             <a:r>
-              <a:rPr lang="en-US" smtClean="0"/>
+              <a:rPr lang="en-US"/>
               <a:t>Click to edit Master text styles</a:t>
             </a:r>
           </a:p>
@@ -4578,7 +4583,7 @@
           <a:p>
             <a:fld id="{C9CAD897-D46E-4AD2-BD9B-49DD3E640873}" type="datetimeFigureOut">
               <a:rPr lang="en-US" smtClean="0"/>
-              <a:t>10/16/2013</a:t>
+              <a:t>8/15/2020</a:t>
             </a:fld>
             <a:endParaRPr lang="en-US" dirty="0"/>
           </a:p>
@@ -5217,7 +5222,7 @@
           <a:lstStyle/>
           <a:p>
             <a:r>
-              <a:rPr lang="en-US" smtClean="0"/>
+              <a:rPr lang="en-US"/>
               <a:t>Click to edit Master title style</a:t>
             </a:r>
             <a:endParaRPr lang="en-US" dirty="0"/>
@@ -5251,35 +5256,35 @@
           <a:p>
             <a:pPr lvl="0"/>
             <a:r>
-              <a:rPr lang="en-US" smtClean="0"/>
+              <a:rPr lang="en-US"/>
               <a:t>Click to edit Master text styles</a:t>
             </a:r>
           </a:p>
           <a:p>
             <a:pPr lvl="1"/>
             <a:r>
-              <a:rPr lang="en-US" smtClean="0"/>
+              <a:rPr lang="en-US"/>
               <a:t>Second level</a:t>
             </a:r>
           </a:p>
           <a:p>
             <a:pPr lvl="2"/>
             <a:r>
-              <a:rPr lang="en-US" smtClean="0"/>
+              <a:rPr lang="en-US"/>
               <a:t>Third level</a:t>
             </a:r>
           </a:p>
           <a:p>
             <a:pPr lvl="3"/>
             <a:r>
-              <a:rPr lang="en-US" smtClean="0"/>
+              <a:rPr lang="en-US"/>
               <a:t>Fourth level</a:t>
             </a:r>
           </a:p>
           <a:p>
             <a:pPr lvl="4"/>
             <a:r>
-              <a:rPr lang="en-US" smtClean="0"/>
+              <a:rPr lang="en-US"/>
               <a:t>Fifth level</a:t>
             </a:r>
             <a:endParaRPr lang="en-US" dirty="0"/>
@@ -5321,7 +5326,7 @@
           <a:p>
             <a:fld id="{98624D31-43A5-475A-80CF-332C9F6DCF35}" type="datetimeFigureOut">
               <a:rPr lang="en-US" smtClean="0"/>
-              <a:t>10/16/2013</a:t>
+              <a:t>8/15/2020</a:t>
             </a:fld>
             <a:endParaRPr lang="en-US" dirty="0"/>
           </a:p>
@@ -5863,10 +5868,9 @@
           <a:lstStyle/>
           <a:p>
             <a:r>
-              <a:rPr lang="en-US" dirty="0" smtClean="0"/>
+              <a:rPr lang="en-US" dirty="0"/>
               <a:t>IronPigeon</a:t>
             </a:r>
-            <a:endParaRPr lang="en-US" dirty="0"/>
           </a:p>
         </p:txBody>
       </p:sp>
@@ -5886,10 +5890,9 @@
           <a:lstStyle/>
           <a:p>
             <a:r>
-              <a:rPr lang="en-US" dirty="0" smtClean="0"/>
+              <a:rPr lang="en-US" dirty="0"/>
               <a:t>An illustrative definition of the secure messaging protocol</a:t>
             </a:r>
-            <a:endParaRPr lang="en-US" dirty="0"/>
           </a:p>
         </p:txBody>
       </p:sp>
@@ -5916,10 +5919,9 @@
           <a:lstStyle/>
           <a:p>
             <a:r>
-              <a:rPr lang="en-US" dirty="0" smtClean="0"/>
+              <a:rPr lang="en-US" dirty="0"/>
               <a:t>Copyright © Andrew Arnott</a:t>
             </a:r>
-            <a:endParaRPr lang="en-US" dirty="0"/>
           </a:p>
         </p:txBody>
       </p:sp>
@@ -5933,13 +5935,6 @@
   <p:clrMapOvr>
     <a:masterClrMapping/>
   </p:clrMapOvr>
-  <p:timing>
-    <p:tnLst>
-      <p:par>
-        <p:cTn id="1" dur="indefinite" restart="never" nodeType="tmRoot"/>
-      </p:par>
-    </p:tnLst>
-  </p:timing>
 </p:sld>
 </file>
 
@@ -5977,13 +5972,8 @@
           <a:p>
             <a:r>
               <a:rPr lang="en-US" dirty="0"/>
-              <a:t>IronPigeon recap, part </a:t>
-            </a:r>
-            <a:r>
-              <a:rPr lang="en-US" dirty="0" smtClean="0"/>
-              <a:t>3</a:t>
-            </a:r>
-            <a:endParaRPr lang="en-US" dirty="0"/>
+              <a:t>IronPigeon recap, part 3</a:t>
+            </a:r>
           </a:p>
         </p:txBody>
       </p:sp>
@@ -6005,22 +5995,21 @@
           <a:lstStyle/>
           <a:p>
             <a:r>
-              <a:rPr lang="en-US" dirty="0" smtClean="0"/>
+              <a:rPr lang="en-US" dirty="0"/>
               <a:t>A compromised server, an inside agent, or government subpoena of the server operators can yield only hints that a communication took place and perhaps hint at the parties based on IP address. This can be mitigated with Tor, if Bob and Alice are concerned about their affiliation being discovered. </a:t>
             </a:r>
           </a:p>
           <a:p>
             <a:r>
-              <a:rPr lang="en-US" dirty="0" smtClean="0"/>
+              <a:rPr lang="en-US" dirty="0"/>
               <a:t>No server in the system has any crypto keys. All classes of attacks against crypto that rely on a server having keys, or responding to cryptographic challenges are useless.</a:t>
             </a:r>
           </a:p>
           <a:p>
             <a:r>
-              <a:rPr lang="en-US" dirty="0" smtClean="0"/>
+              <a:rPr lang="en-US" dirty="0"/>
               <a:t>The decentralized structure allows any number of servers to be utilized to exchange messages. A forced takedown of one server is compensated by a switch to using another server for the blob store or mailbox.</a:t>
             </a:r>
-            <a:endParaRPr lang="en-US" dirty="0"/>
           </a:p>
         </p:txBody>
       </p:sp>
@@ -6034,13 +6023,6 @@
   <p:clrMapOvr>
     <a:masterClrMapping/>
   </p:clrMapOvr>
-  <p:timing>
-    <p:tnLst>
-      <p:par>
-        <p:cTn id="1" dur="indefinite" restart="never" nodeType="tmRoot"/>
-      </p:par>
-    </p:tnLst>
-  </p:timing>
 </p:sld>
 </file>
 
@@ -6077,10 +6059,9 @@
           <a:lstStyle/>
           <a:p>
             <a:r>
-              <a:rPr lang="en-US" dirty="0" smtClean="0"/>
+              <a:rPr lang="en-US" dirty="0"/>
               <a:t>IronPigeon</a:t>
             </a:r>
-            <a:endParaRPr lang="en-US" dirty="0"/>
           </a:p>
         </p:txBody>
       </p:sp>
@@ -6102,64 +6083,63 @@
           <a:lstStyle/>
           <a:p>
             <a:r>
-              <a:rPr lang="en-US" dirty="0" smtClean="0"/>
+              <a:rPr lang="en-US" dirty="0"/>
               <a:t>IronPigeon is a secure messaging protocol designed with these ideals in mind:</a:t>
             </a:r>
           </a:p>
           <a:p>
             <a:pPr lvl="1"/>
             <a:r>
-              <a:rPr lang="en-US" dirty="0" smtClean="0"/>
+              <a:rPr lang="en-US" dirty="0"/>
               <a:t>Absolute privacy of both content and social interactions</a:t>
             </a:r>
           </a:p>
           <a:p>
             <a:pPr lvl="1"/>
             <a:r>
-              <a:rPr lang="en-US" dirty="0" smtClean="0"/>
+              <a:rPr lang="en-US" dirty="0"/>
               <a:t>Spoofing and tampering resistant</a:t>
             </a:r>
           </a:p>
           <a:p>
             <a:pPr lvl="1"/>
             <a:r>
-              <a:rPr lang="en-US" dirty="0" smtClean="0"/>
+              <a:rPr lang="en-US" dirty="0"/>
               <a:t>Communicating parties need not be online simultaneously</a:t>
             </a:r>
           </a:p>
           <a:p>
             <a:pPr lvl="1"/>
             <a:r>
-              <a:rPr lang="en-US" dirty="0" smtClean="0"/>
+              <a:rPr lang="en-US" dirty="0"/>
               <a:t>Decentralized, and no trust of any other server, role or person</a:t>
             </a:r>
           </a:p>
           <a:p>
             <a:pPr lvl="1"/>
             <a:r>
-              <a:rPr lang="en-US" dirty="0" smtClean="0"/>
+              <a:rPr lang="en-US" dirty="0"/>
               <a:t>User-friendly</a:t>
             </a:r>
-            <a:endParaRPr lang="en-US" dirty="0"/>
           </a:p>
           <a:p>
             <a:pPr lvl="1"/>
             <a:r>
-              <a:rPr lang="en-US" dirty="0" smtClean="0"/>
+              <a:rPr lang="en-US" dirty="0"/>
               <a:t>Free and open</a:t>
             </a:r>
           </a:p>
           <a:p>
             <a:r>
-              <a:rPr lang="en-US" dirty="0" smtClean="0"/>
+              <a:rPr lang="en-US" dirty="0"/>
               <a:t>IronPigeon is a general messaging protocol that fulfills these ideals. The actual format of the messages themselves is out of scope of IronPigeon (see </a:t>
             </a:r>
             <a:r>
-              <a:rPr lang="en-US" dirty="0" err="1" smtClean="0"/>
+              <a:rPr lang="en-US" dirty="0" err="1"/>
               <a:t>IronPigeon.Dart</a:t>
             </a:r>
             <a:r>
-              <a:rPr lang="en-US" dirty="0" smtClean="0"/>
+              <a:rPr lang="en-US" dirty="0"/>
               <a:t> for an instant messaging-like message format).</a:t>
             </a:r>
           </a:p>
@@ -6175,13 +6155,6 @@
   <p:clrMapOvr>
     <a:masterClrMapping/>
   </p:clrMapOvr>
-  <p:timing>
-    <p:tnLst>
-      <p:par>
-        <p:cTn id="1" dur="indefinite" restart="never" nodeType="tmRoot"/>
-      </p:par>
-    </p:tnLst>
-  </p:timing>
 </p:sld>
 </file>
 
@@ -6422,10 +6395,9 @@
             <a:lstStyle/>
             <a:p>
               <a:r>
-                <a:rPr lang="en-US" dirty="0" smtClean="0"/>
+                <a:rPr lang="en-US" dirty="0"/>
                 <a:t>SMTP</a:t>
               </a:r>
-              <a:endParaRPr lang="en-US" dirty="0"/>
             </a:p>
           </p:txBody>
         </p:sp>
@@ -6500,10 +6472,9 @@
             <a:lstStyle/>
             <a:p>
               <a:r>
-                <a:rPr lang="en-US" dirty="0" smtClean="0"/>
+                <a:rPr lang="en-US" dirty="0"/>
                 <a:t>SMTP</a:t>
               </a:r>
-              <a:endParaRPr lang="en-US" dirty="0"/>
             </a:p>
           </p:txBody>
         </p:sp>
@@ -6578,10 +6549,9 @@
             <a:lstStyle/>
             <a:p>
               <a:r>
-                <a:rPr lang="en-US" dirty="0" smtClean="0"/>
+                <a:rPr lang="en-US" dirty="0"/>
                 <a:t>POP3</a:t>
               </a:r>
-              <a:endParaRPr lang="en-US" dirty="0"/>
             </a:p>
           </p:txBody>
         </p:sp>
@@ -6653,10 +6623,9 @@
             <a:lstStyle/>
             <a:p>
               <a:r>
-                <a:rPr lang="en-US" dirty="0" smtClean="0"/>
+                <a:rPr lang="en-US" dirty="0"/>
                 <a:t>Bob</a:t>
               </a:r>
-              <a:endParaRPr lang="en-US" dirty="0"/>
             </a:p>
           </p:txBody>
         </p:sp>
@@ -6728,10 +6697,9 @@
             <a:lstStyle/>
             <a:p>
               <a:r>
-                <a:rPr lang="en-US" dirty="0" smtClean="0"/>
+                <a:rPr lang="en-US" dirty="0"/>
                 <a:t>Alice</a:t>
               </a:r>
-              <a:endParaRPr lang="en-US" dirty="0"/>
             </a:p>
           </p:txBody>
         </p:sp>
@@ -6863,10 +6831,9 @@
             <a:lstStyle/>
             <a:p>
               <a:r>
-                <a:rPr lang="en-US" dirty="0" smtClean="0"/>
+                <a:rPr lang="en-US" dirty="0"/>
                 <a:t>Eve</a:t>
               </a:r>
-              <a:endParaRPr lang="en-US" dirty="0"/>
             </a:p>
           </p:txBody>
         </p:sp>
@@ -6924,10 +6891,9 @@
           <a:lstStyle/>
           <a:p>
             <a:r>
-              <a:rPr lang="en-US" sz="2800" dirty="0" smtClean="0"/>
+              <a:rPr lang="en-US" sz="2800" dirty="0"/>
               <a:t>Email as it is today</a:t>
             </a:r>
-            <a:endParaRPr lang="en-US" sz="2800" dirty="0"/>
           </a:p>
         </p:txBody>
       </p:sp>
@@ -7358,10 +7324,9 @@
           <a:lstStyle/>
           <a:p>
             <a:r>
-              <a:rPr lang="en-US" dirty="0" smtClean="0"/>
+              <a:rPr lang="en-US" dirty="0"/>
               <a:t>Email as it is today, recap</a:t>
             </a:r>
-            <a:endParaRPr lang="en-US" dirty="0"/>
           </a:p>
         </p:txBody>
       </p:sp>
@@ -7383,52 +7348,51 @@
           <a:lstStyle/>
           <a:p>
             <a:r>
-              <a:rPr lang="en-US" dirty="0" smtClean="0"/>
+              <a:rPr lang="en-US" dirty="0"/>
               <a:t>Bob authors a message for Alice.</a:t>
             </a:r>
           </a:p>
           <a:p>
             <a:r>
-              <a:rPr lang="en-US" dirty="0" smtClean="0"/>
+              <a:rPr lang="en-US" dirty="0"/>
               <a:t>Bob sends an (often authenticated) request to his SMTP server to forward the message to Alice’s mailbox. </a:t>
             </a:r>
           </a:p>
           <a:p>
             <a:r>
-              <a:rPr lang="en-US" dirty="0" smtClean="0"/>
+              <a:rPr lang="en-US" dirty="0"/>
               <a:t>Bob’s SMTP server has full access to the message headers and content.</a:t>
             </a:r>
           </a:p>
           <a:p>
             <a:r>
-              <a:rPr lang="en-US" dirty="0" smtClean="0"/>
+              <a:rPr lang="en-US" dirty="0"/>
               <a:t>Bob’s SMTP server forwards the message to Alice’s mail server.</a:t>
             </a:r>
           </a:p>
           <a:p>
             <a:r>
-              <a:rPr lang="en-US" dirty="0" smtClean="0"/>
+              <a:rPr lang="en-US" dirty="0"/>
               <a:t>Alice’s mail server has full access to the message headers and content.</a:t>
             </a:r>
           </a:p>
           <a:p>
             <a:r>
-              <a:rPr lang="en-US" dirty="0" smtClean="0"/>
+              <a:rPr lang="en-US" dirty="0"/>
               <a:t>Alice retrieves the message via an authenticated request to her POP3 server.</a:t>
             </a:r>
           </a:p>
           <a:p>
             <a:r>
-              <a:rPr lang="en-US" dirty="0" smtClean="0"/>
+              <a:rPr lang="en-US" dirty="0"/>
               <a:t>Alice reads a message that claims to be from Bob. She has no assurance that Bob is the author however, and every reason to believe others have already read and stored the message.</a:t>
             </a:r>
           </a:p>
           <a:p>
             <a:r>
-              <a:rPr lang="en-US" dirty="0" smtClean="0"/>
+              <a:rPr lang="en-US" dirty="0"/>
               <a:t>Eve has access to read, tamper with, or spoof any or all of this exchange.</a:t>
             </a:r>
-            <a:endParaRPr lang="en-US" dirty="0"/>
           </a:p>
         </p:txBody>
       </p:sp>
@@ -7442,13 +7406,6 @@
   <p:clrMapOvr>
     <a:masterClrMapping/>
   </p:clrMapOvr>
-  <p:timing>
-    <p:tnLst>
-      <p:par>
-        <p:cTn id="1" dur="indefinite" restart="never" nodeType="tmRoot"/>
-      </p:par>
-    </p:tnLst>
-  </p:timing>
 </p:sld>
 </file>
 
@@ -7485,10 +7442,9 @@
           <a:lstStyle/>
           <a:p>
             <a:r>
-              <a:rPr lang="en-US" dirty="0" smtClean="0"/>
+              <a:rPr lang="en-US" dirty="0"/>
               <a:t>Email + PGP</a:t>
             </a:r>
-            <a:endParaRPr lang="en-US" dirty="0"/>
           </a:p>
         </p:txBody>
       </p:sp>
@@ -7508,53 +7464,53 @@
           <a:lstStyle/>
           <a:p>
             <a:r>
-              <a:rPr lang="en-US" dirty="0" smtClean="0"/>
+              <a:rPr lang="en-US" dirty="0"/>
               <a:t>Almost the same. Except that message content is signed, encrypted, or both.</a:t>
             </a:r>
           </a:p>
           <a:p>
             <a:r>
-              <a:rPr lang="en-US" dirty="0" smtClean="0"/>
+              <a:rPr lang="en-US" dirty="0"/>
               <a:t>Alice may now have confidence that Bob signed the message and that no one else could read it. </a:t>
             </a:r>
           </a:p>
           <a:p>
             <a:r>
-              <a:rPr lang="en-US" dirty="0" smtClean="0"/>
+              <a:rPr lang="en-US" dirty="0"/>
               <a:t>Eve has learned several important things however:</a:t>
             </a:r>
           </a:p>
           <a:p>
             <a:pPr lvl="1"/>
             <a:r>
-              <a:rPr lang="en-US" dirty="0" smtClean="0"/>
+              <a:rPr lang="en-US" dirty="0"/>
               <a:t>Bob sent Alice a message</a:t>
             </a:r>
           </a:p>
           <a:p>
             <a:pPr lvl="1"/>
             <a:r>
-              <a:rPr lang="en-US" dirty="0" smtClean="0"/>
+              <a:rPr lang="en-US" dirty="0"/>
               <a:t>The message’s size</a:t>
             </a:r>
           </a:p>
           <a:p>
             <a:pPr lvl="1"/>
             <a:r>
-              <a:rPr lang="en-US" dirty="0" smtClean="0"/>
+              <a:rPr lang="en-US" dirty="0"/>
               <a:t>The message’s subject line</a:t>
             </a:r>
           </a:p>
           <a:p>
             <a:pPr lvl="1"/>
             <a:r>
-              <a:rPr lang="en-US" dirty="0" smtClean="0"/>
+              <a:rPr lang="en-US" dirty="0"/>
               <a:t>All the other message headers.</a:t>
             </a:r>
           </a:p>
           <a:p>
             <a:r>
-              <a:rPr lang="en-US" dirty="0" smtClean="0"/>
+              <a:rPr lang="en-US" dirty="0"/>
               <a:t>Eve can suppress specific messages based on the above criteria in real time.</a:t>
             </a:r>
           </a:p>
@@ -7570,13 +7526,6 @@
   <p:clrMapOvr>
     <a:masterClrMapping/>
   </p:clrMapOvr>
-  <p:timing>
-    <p:tnLst>
-      <p:par>
-        <p:cTn id="1" dur="indefinite" restart="never" nodeType="tmRoot"/>
-      </p:par>
-    </p:tnLst>
-  </p:timing>
 </p:sld>
 </file>
 
@@ -7814,10 +7763,9 @@
             <a:lstStyle/>
             <a:p>
               <a:r>
-                <a:rPr lang="en-US" dirty="0" smtClean="0"/>
+                <a:rPr lang="en-US" dirty="0"/>
                 <a:t>Bob</a:t>
               </a:r>
-              <a:endParaRPr lang="en-US" dirty="0"/>
             </a:p>
           </p:txBody>
         </p:sp>
@@ -7889,10 +7837,9 @@
             <a:lstStyle/>
             <a:p>
               <a:r>
-                <a:rPr lang="en-US" dirty="0" smtClean="0"/>
+                <a:rPr lang="en-US" dirty="0"/>
                 <a:t>Alice</a:t>
               </a:r>
-              <a:endParaRPr lang="en-US" dirty="0"/>
             </a:p>
           </p:txBody>
         </p:sp>
@@ -7964,10 +7911,9 @@
             <a:lstStyle/>
             <a:p>
               <a:r>
-                <a:rPr lang="en-US" dirty="0" smtClean="0"/>
+                <a:rPr lang="en-US" dirty="0"/>
                 <a:t>Eve</a:t>
               </a:r>
-              <a:endParaRPr lang="en-US" dirty="0"/>
             </a:p>
           </p:txBody>
         </p:sp>
@@ -7995,10 +7941,9 @@
           <a:lstStyle/>
           <a:p>
             <a:r>
-              <a:rPr lang="en-US" sz="2800" dirty="0" smtClean="0"/>
+              <a:rPr lang="en-US" sz="2800" dirty="0"/>
               <a:t>IronPigeon</a:t>
             </a:r>
-            <a:endParaRPr lang="en-US" sz="2800" dirty="0"/>
           </a:p>
         </p:txBody>
       </p:sp>
@@ -9091,10 +9036,9 @@
           <a:lstStyle/>
           <a:p>
             <a:r>
-              <a:rPr lang="en-US" dirty="0" smtClean="0"/>
+              <a:rPr lang="en-US" dirty="0"/>
               <a:t>IronPigeon flow</a:t>
             </a:r>
-            <a:endParaRPr lang="en-US" dirty="0"/>
           </a:p>
         </p:txBody>
       </p:sp>
@@ -9120,23 +9064,15 @@
               <a:buAutoNum type="arabicPeriod"/>
             </a:pPr>
             <a:r>
-              <a:rPr lang="en-US" dirty="0" smtClean="0"/>
-              <a:t>Bob encrypts a message </a:t>
-            </a:r>
-            <a:r>
               <a:rPr lang="en-US" dirty="0"/>
-              <a:t>using a randomly generated key </a:t>
-            </a:r>
-            <a:r>
-              <a:rPr lang="en-US" dirty="0" smtClean="0"/>
-              <a:t>and submits it to a blob store in the cloud. He gets a URL back that retrieves that blob. The blob store </a:t>
-            </a:r>
-            <a:r>
-              <a:rPr lang="en-US" i="1" dirty="0" smtClean="0"/>
+              <a:t>Bob encrypts a message using a randomly generated key and submits it to a blob store in the cloud. He gets a URL back that retrieves that blob. The blob store </a:t>
+            </a:r>
+            <a:r>
+              <a:rPr lang="en-US" i="1" dirty="0"/>
               <a:t>may</a:t>
             </a:r>
             <a:r>
-              <a:rPr lang="en-US" dirty="0" smtClean="0"/>
+              <a:rPr lang="en-US" dirty="0"/>
               <a:t> have authenticated Bob.</a:t>
             </a:r>
           </a:p>
@@ -9146,15 +9082,15 @@
               <a:buAutoNum type="arabicPeriod"/>
             </a:pPr>
             <a:r>
-              <a:rPr lang="en-US" dirty="0" smtClean="0"/>
+              <a:rPr lang="en-US" dirty="0"/>
               <a:t>Bob prepares another message that includes the blob URL, the symmetric key, and a hash of the blob’s contents. He asymmetrically signs the message with his own private key and then asymmetrically encrypts this with Alice’s public key. Bob posts this directly to Alice’s mailbox. Her mailbox does </a:t>
             </a:r>
             <a:r>
-              <a:rPr lang="en-US" i="1" dirty="0" smtClean="0"/>
+              <a:rPr lang="en-US" i="1" dirty="0"/>
               <a:t>not</a:t>
             </a:r>
             <a:r>
-              <a:rPr lang="en-US" dirty="0" smtClean="0"/>
+              <a:rPr lang="en-US" dirty="0"/>
               <a:t> authenticate Bob. </a:t>
             </a:r>
           </a:p>
@@ -9164,7 +9100,7 @@
               <a:buAutoNum type="arabicPeriod"/>
             </a:pPr>
             <a:r>
-              <a:rPr lang="en-US" dirty="0" smtClean="0"/>
+              <a:rPr lang="en-US" dirty="0"/>
               <a:t>Alice’s mailbox service forwards the message to her. Alice decrypts it with her private key and verifies Bob’s signature with his public key. </a:t>
             </a:r>
           </a:p>
@@ -9174,7 +9110,7 @@
               <a:buAutoNum type="arabicPeriod"/>
             </a:pPr>
             <a:r>
-              <a:rPr lang="en-US" dirty="0" smtClean="0"/>
+              <a:rPr lang="en-US" dirty="0"/>
               <a:t>Alice makes an unauthenticated request to the blob URL to obtain the encrypted document. She verifies the hash and decrypts it with the symmetric key.</a:t>
             </a:r>
           </a:p>
@@ -9190,13 +9126,6 @@
   <p:clrMapOvr>
     <a:masterClrMapping/>
   </p:clrMapOvr>
-  <p:timing>
-    <p:tnLst>
-      <p:par>
-        <p:cTn id="1" dur="indefinite" restart="never" nodeType="tmRoot"/>
-      </p:par>
-    </p:tnLst>
-  </p:timing>
 </p:sld>
 </file>
 
@@ -9233,10 +9162,9 @@
           <a:lstStyle/>
           <a:p>
             <a:r>
-              <a:rPr lang="en-US" dirty="0" smtClean="0"/>
+              <a:rPr lang="en-US" dirty="0"/>
               <a:t>IronPigeon recap, part 1</a:t>
             </a:r>
-            <a:endParaRPr lang="en-US" dirty="0"/>
           </a:p>
         </p:txBody>
       </p:sp>
@@ -9258,37 +9186,37 @@
           <a:lstStyle/>
           <a:p>
             <a:r>
-              <a:rPr lang="en-US" dirty="0" smtClean="0"/>
+              <a:rPr lang="en-US" dirty="0"/>
               <a:t>Both of Bob’s messages are entirely encrypted. Symmetric keys are only used once.</a:t>
             </a:r>
           </a:p>
           <a:p>
             <a:r>
-              <a:rPr lang="en-US" dirty="0" smtClean="0"/>
+              <a:rPr lang="en-US" dirty="0"/>
               <a:t>Alice receives Bob’s message and can verify Bob wrote it, that it has not been tampered with, and is confident that only Bob’s intended recipients can read the message.</a:t>
             </a:r>
           </a:p>
           <a:p>
             <a:r>
-              <a:rPr lang="en-US" dirty="0" smtClean="0"/>
+              <a:rPr lang="en-US" dirty="0"/>
               <a:t>Bob’s blob store may have authenticated Bob. It cannot decrypt the message. </a:t>
             </a:r>
           </a:p>
           <a:p>
             <a:r>
-              <a:rPr lang="en-US" dirty="0" smtClean="0"/>
+              <a:rPr lang="en-US" dirty="0"/>
               <a:t>Alice’s mail server may have authenticated Alice. It cannot decrypt the message.</a:t>
             </a:r>
           </a:p>
           <a:p>
             <a:r>
-              <a:rPr lang="en-US" dirty="0" smtClean="0"/>
+              <a:rPr lang="en-US" dirty="0"/>
               <a:t>The size of the message bound for Alice’s mailbox is not related to the size of Bob’s message.</a:t>
             </a:r>
           </a:p>
           <a:p>
             <a:r>
-              <a:rPr lang="en-US" dirty="0" smtClean="0"/>
+              <a:rPr lang="en-US" dirty="0"/>
               <a:t>Blind routing: Bob’s blob store only knows Bob, and Alice’s mail server only knows Alice. </a:t>
             </a:r>
           </a:p>
@@ -9304,13 +9232,6 @@
   <p:clrMapOvr>
     <a:masterClrMapping/>
   </p:clrMapOvr>
-  <p:timing>
-    <p:tnLst>
-      <p:par>
-        <p:cTn id="1" dur="indefinite" restart="never" nodeType="tmRoot"/>
-      </p:par>
-    </p:tnLst>
-  </p:timing>
 </p:sld>
 </file>
 
@@ -9348,13 +9269,8 @@
           <a:p>
             <a:r>
               <a:rPr lang="en-US" dirty="0"/>
-              <a:t>IronPigeon recap, part </a:t>
-            </a:r>
-            <a:r>
-              <a:rPr lang="en-US" dirty="0" smtClean="0"/>
-              <a:t>2</a:t>
-            </a:r>
-            <a:endParaRPr lang="en-US" dirty="0"/>
+              <a:t>IronPigeon recap, part 2</a:t>
+            </a:r>
           </a:p>
         </p:txBody>
       </p:sp>
@@ -9376,58 +9292,41 @@
           <a:lstStyle/>
           <a:p>
             <a:r>
-              <a:rPr lang="en-US" dirty="0" smtClean="0"/>
+              <a:rPr lang="en-US" dirty="0"/>
               <a:t>Eve may see Bob’s transmissions, but they are entirely encrypted. She can see which server they go to, but if they use HTTPS she cannot see which URLs are exchanged or which mailbox Bob is accessing on Alice’s server.</a:t>
             </a:r>
           </a:p>
           <a:p>
             <a:r>
-              <a:rPr lang="en-US" dirty="0" smtClean="0"/>
-              <a:t>Eve may see Eve’s transmissions and download sizes and endpoints, but as HTTPS is used she cannot see URLs. </a:t>
-            </a:r>
-          </a:p>
-          <a:p>
-            <a:r>
-              <a:rPr lang="en-US" dirty="0" smtClean="0"/>
-              <a:t>In all cases, if traffic is encrypted with HTTPS, </a:t>
-            </a:r>
-            <a:r>
               <a:rPr lang="en-US" dirty="0"/>
-              <a:t>Eve cannot discern </a:t>
-            </a:r>
-            <a:r>
-              <a:rPr lang="en-US" dirty="0" smtClean="0"/>
-              <a:t>any traffic </a:t>
+              <a:t>Eve may </a:t>
+            </a:r>
+            <a:r>
+              <a:rPr lang="en-US"/>
+              <a:t>see Alice’s </a:t>
             </a:r>
             <a:r>
               <a:rPr lang="en-US" dirty="0"/>
-              <a:t>from web surfing except perhaps </a:t>
-            </a:r>
-            <a:r>
-              <a:rPr lang="en-US" dirty="0" smtClean="0"/>
-              <a:t>if she already knows an endpoint may serve for </a:t>
-            </a:r>
+              <a:t>transmissions and download sizes and endpoints, but as HTTPS is used she cannot see URLs. </a:t>
+            </a:r>
+          </a:p>
+          <a:p>
             <a:r>
               <a:rPr lang="en-US" dirty="0"/>
-              <a:t>IronPigeon traffic</a:t>
-            </a:r>
-            <a:r>
-              <a:rPr lang="en-US" dirty="0" smtClean="0"/>
-              <a:t>.</a:t>
-            </a:r>
-          </a:p>
-          <a:p>
-            <a:r>
-              <a:rPr lang="en-US" dirty="0" smtClean="0"/>
+              <a:t>In all cases, if traffic is encrypted with HTTPS, Eve cannot discern any traffic from web surfing except perhaps if she already knows an endpoint may serve for IronPigeon traffic.</a:t>
+            </a:r>
+          </a:p>
+          <a:p>
+            <a:r>
+              <a:rPr lang="en-US" dirty="0"/>
               <a:t>If Eve has compromised either or both servers, she may see URLs and log IP addresses to infer communication between Bob and Alice, but she cannot prove Alice possessed the key to decrypt the blob required to effectuate a message transfer and Eve cannot herself unveil or spoof Bob’s messages.</a:t>
             </a:r>
           </a:p>
           <a:p>
             <a:r>
-              <a:rPr lang="en-US" dirty="0" smtClean="0"/>
+              <a:rPr lang="en-US" dirty="0"/>
               <a:t>If combined with Tor, the traffic itself can be hidden, further defeating any information Eve can hope to obtain even with compromised servers.</a:t>
             </a:r>
-            <a:endParaRPr lang="en-US" dirty="0"/>
           </a:p>
         </p:txBody>
       </p:sp>
@@ -9441,13 +9340,6 @@
   <p:clrMapOvr>
     <a:masterClrMapping/>
   </p:clrMapOvr>
-  <p:timing>
-    <p:tnLst>
-      <p:par>
-        <p:cTn id="1" dur="indefinite" restart="never" nodeType="tmRoot"/>
-      </p:par>
-    </p:tnLst>
-  </p:timing>
 </p:sld>
 </file>
 
